--- a/Hospital Equipment Procurement.pptx
+++ b/Hospital Equipment Procurement.pptx
@@ -120,14 +120,6 @@
     </p:ext>
   </p:extLst>
 </p:presentation>
-</file>
-
-<file path=ppt/revisionInfo.xml><?xml version="1.0" encoding="utf-8"?>
-<p1510:revInfo xmlns:a="http://schemas.openxmlformats.org/drawingml/2006/main" xmlns:r="http://schemas.openxmlformats.org/officeDocument/2006/relationships" xmlns:p1510="http://schemas.microsoft.com/office/powerpoint/2015/10/main">
-  <p1510:revLst>
-    <p1510:client id="{FB2B5EE9-8E1B-4AAC-840B-5B7AB241F17A}" v="21" dt="2024-05-06T11:54:52.773"/>
-  </p1510:revLst>
-</p1510:revInfo>
 </file>
 
 <file path=ppt/slideLayouts/slideLayout1.xml><?xml version="1.0" encoding="utf-8"?>
@@ -3589,7 +3581,7 @@
           <p:nvPr/>
         </p:nvPicPr>
         <p:blipFill rotWithShape="1">
-          <a:blip r:embed="rId4"/>
+          <a:blip r:embed="rId2"/>
           <a:srcRect t="20956" r="3" b="3"/>
           <a:stretch/>
         </p:blipFill>
@@ -3618,7 +3610,7 @@
           <p:nvPr/>
         </p:nvPicPr>
         <p:blipFill rotWithShape="1">
-          <a:blip r:embed="rId5">
+          <a:blip r:embed="rId3">
             <a:extLst>
               <a:ext uri="{28A0092B-C50C-407E-A947-70E740481C1C}">
                 <a14:useLocalDpi xmlns:a14="http://schemas.microsoft.com/office/drawing/2010/main" val="0"/>
@@ -3638,45 +3630,6 @@
           </a:prstGeom>
         </p:spPr>
       </p:pic>
-      <p:pic>
-        <p:nvPicPr>
-          <p:cNvPr id="27" name="Audio 26">
-            <a:hlinkClick r:id="" action="ppaction://media"/>
-            <a:extLst>
-              <a:ext uri="{FF2B5EF4-FFF2-40B4-BE49-F238E27FC236}">
-                <a16:creationId xmlns:a16="http://schemas.microsoft.com/office/drawing/2014/main" id="{BACA3089-7065-D342-87D6-AC4F94DB2934}"/>
-              </a:ext>
-            </a:extLst>
-          </p:cNvPr>
-          <p:cNvPicPr>
-            <a:picLocks noChangeAspect="1"/>
-          </p:cNvPicPr>
-          <p:nvPr>
-            <a:audioFile r:link="rId2"/>
-            <p:extLst>
-              <p:ext uri="{DAA4B4D4-6D71-4841-9C94-3DE7FCFB9230}">
-                <p14:media xmlns:p14="http://schemas.microsoft.com/office/powerpoint/2010/main" r:embed="rId1"/>
-              </p:ext>
-            </p:extLst>
-          </p:nvPr>
-        </p:nvPicPr>
-        <p:blipFill>
-          <a:blip r:embed="rId6"/>
-          <a:srcRect l="-118750" t="-118750" r="-118750" b="-118750"/>
-          <a:stretch>
-            <a:fillRect/>
-          </a:stretch>
-        </p:blipFill>
-        <p:spPr>
-          <a:xfrm>
-            <a:off x="10052304" y="4718304"/>
-            <a:ext cx="2057400" cy="2057400"/>
-          </a:xfrm>
-          <a:prstGeom prst="ellipse">
-            <a:avLst/>
-          </a:prstGeom>
-        </p:spPr>
-      </p:pic>
     </p:spTree>
     <p:extLst>
       <p:ext uri="{BB962C8B-B14F-4D97-AF65-F5344CB8AC3E}">
@@ -3687,14 +3640,6 @@
   <p:clrMapOvr>
     <a:masterClrMapping/>
   </p:clrMapOvr>
-  <mc:AlternateContent xmlns:mc="http://schemas.openxmlformats.org/markup-compatibility/2006" xmlns:p14="http://schemas.microsoft.com/office/powerpoint/2010/main">
-    <mc:Choice Requires="p14">
-      <p:transition spd="slow" p14:dur="2000" advTm="6284"/>
-    </mc:Choice>
-    <mc:Fallback xmlns="">
-      <p:transition spd="slow" advTm="6284"/>
-    </mc:Fallback>
-  </mc:AlternateContent>
   <p:timing>
     <p:tnLst>
       <p:par>
@@ -3719,24 +3664,7 @@
                             </p:stCondLst>
                             <p:childTnLst>
                               <p:par>
-                                <p:cTn id="5" presetID="1" presetClass="mediacall" presetSubtype="0" fill="hold" nodeType="afterEffect">
-                                  <p:stCondLst>
-                                    <p:cond delay="0"/>
-                                  </p:stCondLst>
-                                  <p:childTnLst>
-                                    <p:cmd type="call" cmd="playFrom(0.0)">
-                                      <p:cBhvr>
-                                        <p:cTn id="6" dur="1" fill="hold"/>
-                                        <p:tgtEl>
-                                          <p:spTgt spid="27"/>
-                                        </p:tgtEl>
-                                      </p:cBhvr>
-                                    </p:cmd>
-                                  </p:childTnLst>
-                                </p:cTn>
-                              </p:par>
-                              <p:par>
-                                <p:cTn id="7" presetID="10" presetClass="entr" presetSubtype="0" fill="hold" grpId="0" nodeType="withEffect">
+                                <p:cTn id="5" presetID="10" presetClass="entr" presetSubtype="0" fill="hold" grpId="0" nodeType="withEffect">
                                   <p:stCondLst>
                                     <p:cond delay="1000"/>
                                   </p:stCondLst>
@@ -3746,7 +3674,7 @@
                                   <p:childTnLst>
                                     <p:set>
                                       <p:cBhvr>
-                                        <p:cTn id="8" dur="1" fill="hold">
+                                        <p:cTn id="6" dur="1" fill="hold">
                                           <p:stCondLst>
                                             <p:cond delay="0"/>
                                           </p:stCondLst>
@@ -3764,7 +3692,7 @@
                                     </p:set>
                                     <p:animEffect transition="in" filter="fade">
                                       <p:cBhvr>
-                                        <p:cTn id="9" dur="400"/>
+                                        <p:cTn id="7" dur="400"/>
                                         <p:tgtEl>
                                           <p:spTgt spid="2"/>
                                         </p:tgtEl>
@@ -3796,25 +3724,6 @@
                 </p:cond>
               </p:nextCondLst>
             </p:seq>
-            <p:audio isNarration="1">
-              <p:cMediaNode vol="80000" showWhenStopped="0">
-                <p:cTn id="10" fill="hold" display="0">
-                  <p:stCondLst>
-                    <p:cond delay="indefinite"/>
-                  </p:stCondLst>
-                  <p:endCondLst>
-                    <p:cond evt="onStopAudio" delay="0">
-                      <p:tgtEl>
-                        <p:sldTgt/>
-                      </p:tgtEl>
-                    </p:cond>
-                  </p:endCondLst>
-                </p:cTn>
-                <p:tgtEl>
-                  <p:spTgt spid="27"/>
-                </p:tgtEl>
-              </p:cMediaNode>
-            </p:audio>
           </p:childTnLst>
         </p:cTn>
       </p:par>
@@ -4335,45 +4244,6 @@
           </a:p>
         </p:txBody>
       </p:sp>
-      <p:pic>
-        <p:nvPicPr>
-          <p:cNvPr id="5" name="Audio 4">
-            <a:hlinkClick r:id="" action="ppaction://media"/>
-            <a:extLst>
-              <a:ext uri="{FF2B5EF4-FFF2-40B4-BE49-F238E27FC236}">
-                <a16:creationId xmlns:a16="http://schemas.microsoft.com/office/drawing/2014/main" id="{5A51444F-B059-B9C9-9A0A-2FFA4EAF9C8A}"/>
-              </a:ext>
-            </a:extLst>
-          </p:cNvPr>
-          <p:cNvPicPr>
-            <a:picLocks noChangeAspect="1"/>
-          </p:cNvPicPr>
-          <p:nvPr>
-            <a:audioFile r:link="rId2"/>
-            <p:extLst>
-              <p:ext uri="{DAA4B4D4-6D71-4841-9C94-3DE7FCFB9230}">
-                <p14:media xmlns:p14="http://schemas.microsoft.com/office/powerpoint/2010/main" r:embed="rId1"/>
-              </p:ext>
-            </p:extLst>
-          </p:nvPr>
-        </p:nvPicPr>
-        <p:blipFill>
-          <a:blip r:embed="rId4"/>
-          <a:srcRect l="-118750" t="-118750" r="-118750" b="-118750"/>
-          <a:stretch>
-            <a:fillRect/>
-          </a:stretch>
-        </p:blipFill>
-        <p:spPr>
-          <a:xfrm>
-            <a:off x="10052304" y="4718304"/>
-            <a:ext cx="2057400" cy="2057400"/>
-          </a:xfrm>
-          <a:prstGeom prst="ellipse">
-            <a:avLst/>
-          </a:prstGeom>
-        </p:spPr>
-      </p:pic>
     </p:spTree>
     <p:extLst>
       <p:ext uri="{BB962C8B-B14F-4D97-AF65-F5344CB8AC3E}">
@@ -4384,101 +4254,6 @@
   <p:clrMapOvr>
     <a:masterClrMapping/>
   </p:clrMapOvr>
-  <mc:AlternateContent xmlns:mc="http://schemas.openxmlformats.org/markup-compatibility/2006" xmlns:p14="http://schemas.microsoft.com/office/powerpoint/2010/main">
-    <mc:Choice Requires="p14">
-      <p:transition spd="slow" p14:dur="2000" advTm="1901"/>
-    </mc:Choice>
-    <mc:Fallback xmlns="">
-      <p:transition spd="slow" advTm="1901"/>
-    </mc:Fallback>
-  </mc:AlternateContent>
-  <p:timing>
-    <p:tnLst>
-      <p:par>
-        <p:cTn id="1" dur="indefinite" restart="never" nodeType="tmRoot">
-          <p:childTnLst>
-            <p:seq concurrent="1" nextAc="seek">
-              <p:cTn id="2" dur="indefinite" nodeType="mainSeq">
-                <p:childTnLst>
-                  <p:par>
-                    <p:cTn id="3" fill="hold">
-                      <p:stCondLst>
-                        <p:cond delay="indefinite"/>
-                        <p:cond evt="onBegin" delay="0">
-                          <p:tn val="2"/>
-                        </p:cond>
-                      </p:stCondLst>
-                      <p:childTnLst>
-                        <p:par>
-                          <p:cTn id="4" fill="hold">
-                            <p:stCondLst>
-                              <p:cond delay="0"/>
-                            </p:stCondLst>
-                            <p:childTnLst>
-                              <p:par>
-                                <p:cTn id="5" presetID="1" presetClass="mediacall" presetSubtype="0" fill="hold" nodeType="afterEffect">
-                                  <p:stCondLst>
-                                    <p:cond delay="0"/>
-                                  </p:stCondLst>
-                                  <p:childTnLst>
-                                    <p:cmd type="call" cmd="playFrom(0.0)">
-                                      <p:cBhvr>
-                                        <p:cTn id="6" dur="1" fill="hold"/>
-                                        <p:tgtEl>
-                                          <p:spTgt spid="5"/>
-                                        </p:tgtEl>
-                                      </p:cBhvr>
-                                    </p:cmd>
-                                  </p:childTnLst>
-                                </p:cTn>
-                              </p:par>
-                            </p:childTnLst>
-                          </p:cTn>
-                        </p:par>
-                      </p:childTnLst>
-                    </p:cTn>
-                  </p:par>
-                </p:childTnLst>
-              </p:cTn>
-              <p:prevCondLst>
-                <p:cond evt="onPrev" delay="0">
-                  <p:tgtEl>
-                    <p:sldTgt/>
-                  </p:tgtEl>
-                </p:cond>
-              </p:prevCondLst>
-              <p:nextCondLst>
-                <p:cond evt="onNext" delay="0">
-                  <p:tgtEl>
-                    <p:sldTgt/>
-                  </p:tgtEl>
-                </p:cond>
-              </p:nextCondLst>
-            </p:seq>
-            <p:audio isNarration="1">
-              <p:cMediaNode vol="80000" showWhenStopped="0">
-                <p:cTn id="7" fill="hold" display="0">
-                  <p:stCondLst>
-                    <p:cond delay="indefinite"/>
-                  </p:stCondLst>
-                  <p:endCondLst>
-                    <p:cond evt="onStopAudio" delay="0">
-                      <p:tgtEl>
-                        <p:sldTgt/>
-                      </p:tgtEl>
-                    </p:cond>
-                  </p:endCondLst>
-                </p:cTn>
-                <p:tgtEl>
-                  <p:spTgt spid="5"/>
-                </p:tgtEl>
-              </p:cMediaNode>
-            </p:audio>
-          </p:childTnLst>
-        </p:cTn>
-      </p:par>
-    </p:tnLst>
-  </p:timing>
 </p:sld>
 </file>
 
@@ -4524,7 +4299,7 @@
           <p:nvPr/>
         </p:nvPicPr>
         <p:blipFill rotWithShape="1">
-          <a:blip r:embed="rId4"/>
+          <a:blip r:embed="rId2"/>
           <a:srcRect l="27958" r="12708" b="-1"/>
           <a:stretch/>
         </p:blipFill>
@@ -4772,45 +4547,6 @@
           </a:p>
         </p:txBody>
       </p:sp>
-      <p:pic>
-        <p:nvPicPr>
-          <p:cNvPr id="6" name="Audio 5">
-            <a:hlinkClick r:id="" action="ppaction://media"/>
-            <a:extLst>
-              <a:ext uri="{FF2B5EF4-FFF2-40B4-BE49-F238E27FC236}">
-                <a16:creationId xmlns:a16="http://schemas.microsoft.com/office/drawing/2014/main" id="{DFC2DDFB-5572-D255-5516-15B9E579E8D5}"/>
-              </a:ext>
-            </a:extLst>
-          </p:cNvPr>
-          <p:cNvPicPr>
-            <a:picLocks noChangeAspect="1"/>
-          </p:cNvPicPr>
-          <p:nvPr>
-            <a:audioFile r:link="rId2"/>
-            <p:extLst>
-              <p:ext uri="{DAA4B4D4-6D71-4841-9C94-3DE7FCFB9230}">
-                <p14:media xmlns:p14="http://schemas.microsoft.com/office/powerpoint/2010/main" r:embed="rId1"/>
-              </p:ext>
-            </p:extLst>
-          </p:nvPr>
-        </p:nvPicPr>
-        <p:blipFill>
-          <a:blip r:embed="rId5"/>
-          <a:srcRect l="-118750" t="-118750" r="-118750" b="-118750"/>
-          <a:stretch>
-            <a:fillRect/>
-          </a:stretch>
-        </p:blipFill>
-        <p:spPr>
-          <a:xfrm>
-            <a:off x="10052304" y="4718304"/>
-            <a:ext cx="2057400" cy="2057400"/>
-          </a:xfrm>
-          <a:prstGeom prst="ellipse">
-            <a:avLst/>
-          </a:prstGeom>
-        </p:spPr>
-      </p:pic>
     </p:spTree>
     <p:extLst>
       <p:ext uri="{BB962C8B-B14F-4D97-AF65-F5344CB8AC3E}">
@@ -4821,101 +4557,6 @@
   <p:clrMapOvr>
     <a:masterClrMapping/>
   </p:clrMapOvr>
-  <mc:AlternateContent xmlns:mc="http://schemas.openxmlformats.org/markup-compatibility/2006" xmlns:p14="http://schemas.microsoft.com/office/powerpoint/2010/main">
-    <mc:Choice Requires="p14">
-      <p:transition spd="slow" p14:dur="2000" advTm="4277"/>
-    </mc:Choice>
-    <mc:Fallback xmlns="">
-      <p:transition spd="slow" advTm="4277"/>
-    </mc:Fallback>
-  </mc:AlternateContent>
-  <p:timing>
-    <p:tnLst>
-      <p:par>
-        <p:cTn id="1" dur="indefinite" restart="never" nodeType="tmRoot">
-          <p:childTnLst>
-            <p:seq concurrent="1" nextAc="seek">
-              <p:cTn id="2" dur="indefinite" nodeType="mainSeq">
-                <p:childTnLst>
-                  <p:par>
-                    <p:cTn id="3" fill="hold">
-                      <p:stCondLst>
-                        <p:cond delay="indefinite"/>
-                        <p:cond evt="onBegin" delay="0">
-                          <p:tn val="2"/>
-                        </p:cond>
-                      </p:stCondLst>
-                      <p:childTnLst>
-                        <p:par>
-                          <p:cTn id="4" fill="hold">
-                            <p:stCondLst>
-                              <p:cond delay="0"/>
-                            </p:stCondLst>
-                            <p:childTnLst>
-                              <p:par>
-                                <p:cTn id="5" presetID="1" presetClass="mediacall" presetSubtype="0" fill="hold" nodeType="afterEffect">
-                                  <p:stCondLst>
-                                    <p:cond delay="0"/>
-                                  </p:stCondLst>
-                                  <p:childTnLst>
-                                    <p:cmd type="call" cmd="playFrom(0.0)">
-                                      <p:cBhvr>
-                                        <p:cTn id="6" dur="1" fill="hold"/>
-                                        <p:tgtEl>
-                                          <p:spTgt spid="6"/>
-                                        </p:tgtEl>
-                                      </p:cBhvr>
-                                    </p:cmd>
-                                  </p:childTnLst>
-                                </p:cTn>
-                              </p:par>
-                            </p:childTnLst>
-                          </p:cTn>
-                        </p:par>
-                      </p:childTnLst>
-                    </p:cTn>
-                  </p:par>
-                </p:childTnLst>
-              </p:cTn>
-              <p:prevCondLst>
-                <p:cond evt="onPrev" delay="0">
-                  <p:tgtEl>
-                    <p:sldTgt/>
-                  </p:tgtEl>
-                </p:cond>
-              </p:prevCondLst>
-              <p:nextCondLst>
-                <p:cond evt="onNext" delay="0">
-                  <p:tgtEl>
-                    <p:sldTgt/>
-                  </p:tgtEl>
-                </p:cond>
-              </p:nextCondLst>
-            </p:seq>
-            <p:audio isNarration="1">
-              <p:cMediaNode vol="80000" showWhenStopped="0">
-                <p:cTn id="7" fill="hold" display="0">
-                  <p:stCondLst>
-                    <p:cond delay="indefinite"/>
-                  </p:stCondLst>
-                  <p:endCondLst>
-                    <p:cond evt="onStopAudio" delay="0">
-                      <p:tgtEl>
-                        <p:sldTgt/>
-                      </p:tgtEl>
-                    </p:cond>
-                  </p:endCondLst>
-                </p:cTn>
-                <p:tgtEl>
-                  <p:spTgt spid="6"/>
-                </p:tgtEl>
-              </p:cMediaNode>
-            </p:audio>
-          </p:childTnLst>
-        </p:cTn>
-      </p:par>
-    </p:tnLst>
-  </p:timing>
 </p:sld>
 </file>
 
@@ -5233,13 +4874,13 @@
           <p:nvPr/>
         </p:nvPicPr>
         <p:blipFill>
-          <a:blip r:embed="rId4">
+          <a:blip r:embed="rId2">
             <a:extLst>
               <a:ext uri="{28A0092B-C50C-407E-A947-70E740481C1C}">
                 <a14:useLocalDpi xmlns:a14="http://schemas.microsoft.com/office/drawing/2010/main" val="0"/>
               </a:ext>
               <a:ext uri="{96DAC541-7B7A-43D3-8B79-37D633B846F1}">
-                <asvg:svgBlip xmlns:asvg="http://schemas.microsoft.com/office/drawing/2016/SVG/main" r:embed="rId5"/>
+                <asvg:svgBlip xmlns:asvg="http://schemas.microsoft.com/office/drawing/2016/SVG/main" r:embed="rId3"/>
               </a:ext>
             </a:extLst>
           </a:blip>
@@ -5257,45 +4898,6 @@
           </a:prstGeom>
         </p:spPr>
       </p:pic>
-      <p:pic>
-        <p:nvPicPr>
-          <p:cNvPr id="8" name="Audio 7">
-            <a:hlinkClick r:id="" action="ppaction://media"/>
-            <a:extLst>
-              <a:ext uri="{FF2B5EF4-FFF2-40B4-BE49-F238E27FC236}">
-                <a16:creationId xmlns:a16="http://schemas.microsoft.com/office/drawing/2014/main" id="{8B59BF1E-1C28-AB52-176A-B1E0BA916905}"/>
-              </a:ext>
-            </a:extLst>
-          </p:cNvPr>
-          <p:cNvPicPr>
-            <a:picLocks noChangeAspect="1"/>
-          </p:cNvPicPr>
-          <p:nvPr>
-            <a:audioFile r:link="rId2"/>
-            <p:extLst>
-              <p:ext uri="{DAA4B4D4-6D71-4841-9C94-3DE7FCFB9230}">
-                <p14:media xmlns:p14="http://schemas.microsoft.com/office/powerpoint/2010/main" r:embed="rId1"/>
-              </p:ext>
-            </p:extLst>
-          </p:nvPr>
-        </p:nvPicPr>
-        <p:blipFill>
-          <a:blip r:embed="rId6"/>
-          <a:srcRect l="-118750" t="-118750" r="-118750" b="-118750"/>
-          <a:stretch>
-            <a:fillRect/>
-          </a:stretch>
-        </p:blipFill>
-        <p:spPr>
-          <a:xfrm>
-            <a:off x="10052304" y="4718304"/>
-            <a:ext cx="2057400" cy="2057400"/>
-          </a:xfrm>
-          <a:prstGeom prst="ellipse">
-            <a:avLst/>
-          </a:prstGeom>
-        </p:spPr>
-      </p:pic>
     </p:spTree>
     <p:extLst>
       <p:ext uri="{BB962C8B-B14F-4D97-AF65-F5344CB8AC3E}">
@@ -5306,101 +4908,6 @@
   <p:clrMapOvr>
     <a:masterClrMapping/>
   </p:clrMapOvr>
-  <mc:AlternateContent xmlns:mc="http://schemas.openxmlformats.org/markup-compatibility/2006" xmlns:p14="http://schemas.microsoft.com/office/powerpoint/2010/main">
-    <mc:Choice Requires="p14">
-      <p:transition spd="slow" p14:dur="2000" advTm="2313"/>
-    </mc:Choice>
-    <mc:Fallback xmlns="">
-      <p:transition spd="slow" advTm="2313"/>
-    </mc:Fallback>
-  </mc:AlternateContent>
-  <p:timing>
-    <p:tnLst>
-      <p:par>
-        <p:cTn id="1" dur="indefinite" restart="never" nodeType="tmRoot">
-          <p:childTnLst>
-            <p:seq concurrent="1" nextAc="seek">
-              <p:cTn id="2" dur="indefinite" nodeType="mainSeq">
-                <p:childTnLst>
-                  <p:par>
-                    <p:cTn id="3" fill="hold">
-                      <p:stCondLst>
-                        <p:cond delay="indefinite"/>
-                        <p:cond evt="onBegin" delay="0">
-                          <p:tn val="2"/>
-                        </p:cond>
-                      </p:stCondLst>
-                      <p:childTnLst>
-                        <p:par>
-                          <p:cTn id="4" fill="hold">
-                            <p:stCondLst>
-                              <p:cond delay="0"/>
-                            </p:stCondLst>
-                            <p:childTnLst>
-                              <p:par>
-                                <p:cTn id="5" presetID="1" presetClass="mediacall" presetSubtype="0" fill="hold" nodeType="afterEffect">
-                                  <p:stCondLst>
-                                    <p:cond delay="0"/>
-                                  </p:stCondLst>
-                                  <p:childTnLst>
-                                    <p:cmd type="call" cmd="playFrom(0.0)">
-                                      <p:cBhvr>
-                                        <p:cTn id="6" dur="1" fill="hold"/>
-                                        <p:tgtEl>
-                                          <p:spTgt spid="8"/>
-                                        </p:tgtEl>
-                                      </p:cBhvr>
-                                    </p:cmd>
-                                  </p:childTnLst>
-                                </p:cTn>
-                              </p:par>
-                            </p:childTnLst>
-                          </p:cTn>
-                        </p:par>
-                      </p:childTnLst>
-                    </p:cTn>
-                  </p:par>
-                </p:childTnLst>
-              </p:cTn>
-              <p:prevCondLst>
-                <p:cond evt="onPrev" delay="0">
-                  <p:tgtEl>
-                    <p:sldTgt/>
-                  </p:tgtEl>
-                </p:cond>
-              </p:prevCondLst>
-              <p:nextCondLst>
-                <p:cond evt="onNext" delay="0">
-                  <p:tgtEl>
-                    <p:sldTgt/>
-                  </p:tgtEl>
-                </p:cond>
-              </p:nextCondLst>
-            </p:seq>
-            <p:audio isNarration="1">
-              <p:cMediaNode vol="80000" showWhenStopped="0">
-                <p:cTn id="7" fill="hold" display="0">
-                  <p:stCondLst>
-                    <p:cond delay="indefinite"/>
-                  </p:stCondLst>
-                  <p:endCondLst>
-                    <p:cond evt="onStopAudio" delay="0">
-                      <p:tgtEl>
-                        <p:sldTgt/>
-                      </p:tgtEl>
-                    </p:cond>
-                  </p:endCondLst>
-                </p:cTn>
-                <p:tgtEl>
-                  <p:spTgt spid="8"/>
-                </p:tgtEl>
-              </p:cMediaNode>
-            </p:audio>
-          </p:childTnLst>
-        </p:cTn>
-      </p:par>
-    </p:tnLst>
-  </p:timing>
 </p:sld>
 </file>
 
@@ -5731,7 +5238,7 @@
           <p:nvPr/>
         </p:nvPicPr>
         <p:blipFill rotWithShape="1">
-          <a:blip r:embed="rId4"/>
+          <a:blip r:embed="rId2"/>
           <a:srcRect l="29386" r="19880" b="-1"/>
           <a:stretch/>
         </p:blipFill>
@@ -5748,45 +5255,6 @@
           </a:ln>
         </p:spPr>
       </p:pic>
-      <p:pic>
-        <p:nvPicPr>
-          <p:cNvPr id="6" name="Audio 5">
-            <a:hlinkClick r:id="" action="ppaction://media"/>
-            <a:extLst>
-              <a:ext uri="{FF2B5EF4-FFF2-40B4-BE49-F238E27FC236}">
-                <a16:creationId xmlns:a16="http://schemas.microsoft.com/office/drawing/2014/main" id="{E12764A3-32D4-4475-0E2E-3654B58AED0A}"/>
-              </a:ext>
-            </a:extLst>
-          </p:cNvPr>
-          <p:cNvPicPr>
-            <a:picLocks noChangeAspect="1"/>
-          </p:cNvPicPr>
-          <p:nvPr>
-            <a:audioFile r:link="rId2"/>
-            <p:extLst>
-              <p:ext uri="{DAA4B4D4-6D71-4841-9C94-3DE7FCFB9230}">
-                <p14:media xmlns:p14="http://schemas.microsoft.com/office/powerpoint/2010/main" r:embed="rId1"/>
-              </p:ext>
-            </p:extLst>
-          </p:nvPr>
-        </p:nvPicPr>
-        <p:blipFill>
-          <a:blip r:embed="rId5"/>
-          <a:srcRect l="-118750" t="-118750" r="-118750" b="-118750"/>
-          <a:stretch>
-            <a:fillRect/>
-          </a:stretch>
-        </p:blipFill>
-        <p:spPr>
-          <a:xfrm>
-            <a:off x="10052304" y="4718304"/>
-            <a:ext cx="2057400" cy="2057400"/>
-          </a:xfrm>
-          <a:prstGeom prst="ellipse">
-            <a:avLst/>
-          </a:prstGeom>
-        </p:spPr>
-      </p:pic>
     </p:spTree>
     <p:extLst>
       <p:ext uri="{BB962C8B-B14F-4D97-AF65-F5344CB8AC3E}">
@@ -5797,101 +5265,6 @@
   <p:clrMapOvr>
     <a:masterClrMapping/>
   </p:clrMapOvr>
-  <mc:AlternateContent xmlns:mc="http://schemas.openxmlformats.org/markup-compatibility/2006" xmlns:p14="http://schemas.microsoft.com/office/powerpoint/2010/main">
-    <mc:Choice Requires="p14">
-      <p:transition spd="slow" p14:dur="2000" advTm="2764"/>
-    </mc:Choice>
-    <mc:Fallback xmlns="">
-      <p:transition spd="slow" advTm="2764"/>
-    </mc:Fallback>
-  </mc:AlternateContent>
-  <p:timing>
-    <p:tnLst>
-      <p:par>
-        <p:cTn id="1" dur="indefinite" restart="never" nodeType="tmRoot">
-          <p:childTnLst>
-            <p:seq concurrent="1" nextAc="seek">
-              <p:cTn id="2" dur="indefinite" nodeType="mainSeq">
-                <p:childTnLst>
-                  <p:par>
-                    <p:cTn id="3" fill="hold">
-                      <p:stCondLst>
-                        <p:cond delay="indefinite"/>
-                        <p:cond evt="onBegin" delay="0">
-                          <p:tn val="2"/>
-                        </p:cond>
-                      </p:stCondLst>
-                      <p:childTnLst>
-                        <p:par>
-                          <p:cTn id="4" fill="hold">
-                            <p:stCondLst>
-                              <p:cond delay="0"/>
-                            </p:stCondLst>
-                            <p:childTnLst>
-                              <p:par>
-                                <p:cTn id="5" presetID="1" presetClass="mediacall" presetSubtype="0" fill="hold" nodeType="afterEffect">
-                                  <p:stCondLst>
-                                    <p:cond delay="0"/>
-                                  </p:stCondLst>
-                                  <p:childTnLst>
-                                    <p:cmd type="call" cmd="playFrom(0.0)">
-                                      <p:cBhvr>
-                                        <p:cTn id="6" dur="1" fill="hold"/>
-                                        <p:tgtEl>
-                                          <p:spTgt spid="6"/>
-                                        </p:tgtEl>
-                                      </p:cBhvr>
-                                    </p:cmd>
-                                  </p:childTnLst>
-                                </p:cTn>
-                              </p:par>
-                            </p:childTnLst>
-                          </p:cTn>
-                        </p:par>
-                      </p:childTnLst>
-                    </p:cTn>
-                  </p:par>
-                </p:childTnLst>
-              </p:cTn>
-              <p:prevCondLst>
-                <p:cond evt="onPrev" delay="0">
-                  <p:tgtEl>
-                    <p:sldTgt/>
-                  </p:tgtEl>
-                </p:cond>
-              </p:prevCondLst>
-              <p:nextCondLst>
-                <p:cond evt="onNext" delay="0">
-                  <p:tgtEl>
-                    <p:sldTgt/>
-                  </p:tgtEl>
-                </p:cond>
-              </p:nextCondLst>
-            </p:seq>
-            <p:audio isNarration="1">
-              <p:cMediaNode vol="80000" showWhenStopped="0">
-                <p:cTn id="7" fill="hold" display="0">
-                  <p:stCondLst>
-                    <p:cond delay="indefinite"/>
-                  </p:stCondLst>
-                  <p:endCondLst>
-                    <p:cond evt="onStopAudio" delay="0">
-                      <p:tgtEl>
-                        <p:sldTgt/>
-                      </p:tgtEl>
-                    </p:cond>
-                  </p:endCondLst>
-                </p:cTn>
-                <p:tgtEl>
-                  <p:spTgt spid="6"/>
-                </p:tgtEl>
-              </p:cMediaNode>
-            </p:audio>
-          </p:childTnLst>
-        </p:cTn>
-      </p:par>
-    </p:tnLst>
-  </p:timing>
 </p:sld>
 </file>
 
@@ -6180,13 +5553,13 @@
           <p:nvPr/>
         </p:nvPicPr>
         <p:blipFill>
-          <a:blip r:embed="rId4">
+          <a:blip r:embed="rId2">
             <a:extLst>
               <a:ext uri="{28A0092B-C50C-407E-A947-70E740481C1C}">
                 <a14:useLocalDpi xmlns:a14="http://schemas.microsoft.com/office/drawing/2010/main" val="0"/>
               </a:ext>
               <a:ext uri="{96DAC541-7B7A-43D3-8B79-37D633B846F1}">
-                <asvg:svgBlip xmlns:asvg="http://schemas.microsoft.com/office/drawing/2016/SVG/main" r:embed="rId5"/>
+                <asvg:svgBlip xmlns:asvg="http://schemas.microsoft.com/office/drawing/2016/SVG/main" r:embed="rId3"/>
               </a:ext>
             </a:extLst>
           </a:blip>
@@ -6204,45 +5577,6 @@
           </a:prstGeom>
         </p:spPr>
       </p:pic>
-      <p:pic>
-        <p:nvPicPr>
-          <p:cNvPr id="5" name="Audio 4">
-            <a:hlinkClick r:id="" action="ppaction://media"/>
-            <a:extLst>
-              <a:ext uri="{FF2B5EF4-FFF2-40B4-BE49-F238E27FC236}">
-                <a16:creationId xmlns:a16="http://schemas.microsoft.com/office/drawing/2014/main" id="{8E0EA2E0-FFE1-FEB1-0F80-D7BCE38838E3}"/>
-              </a:ext>
-            </a:extLst>
-          </p:cNvPr>
-          <p:cNvPicPr>
-            <a:picLocks noChangeAspect="1"/>
-          </p:cNvPicPr>
-          <p:nvPr>
-            <a:audioFile r:link="rId2"/>
-            <p:extLst>
-              <p:ext uri="{DAA4B4D4-6D71-4841-9C94-3DE7FCFB9230}">
-                <p14:media xmlns:p14="http://schemas.microsoft.com/office/powerpoint/2010/main" r:embed="rId1"/>
-              </p:ext>
-            </p:extLst>
-          </p:nvPr>
-        </p:nvPicPr>
-        <p:blipFill>
-          <a:blip r:embed="rId6"/>
-          <a:srcRect l="-118750" t="-118750" r="-118750" b="-118750"/>
-          <a:stretch>
-            <a:fillRect/>
-          </a:stretch>
-        </p:blipFill>
-        <p:spPr>
-          <a:xfrm>
-            <a:off x="10052304" y="4718304"/>
-            <a:ext cx="2057400" cy="2057400"/>
-          </a:xfrm>
-          <a:prstGeom prst="ellipse">
-            <a:avLst/>
-          </a:prstGeom>
-        </p:spPr>
-      </p:pic>
     </p:spTree>
     <p:extLst>
       <p:ext uri="{BB962C8B-B14F-4D97-AF65-F5344CB8AC3E}">
@@ -6253,101 +5587,6 @@
   <p:clrMapOvr>
     <a:masterClrMapping/>
   </p:clrMapOvr>
-  <mc:AlternateContent xmlns:mc="http://schemas.openxmlformats.org/markup-compatibility/2006" xmlns:p14="http://schemas.microsoft.com/office/powerpoint/2010/main">
-    <mc:Choice Requires="p14">
-      <p:transition spd="slow" p14:dur="2000" advTm="2919"/>
-    </mc:Choice>
-    <mc:Fallback xmlns="">
-      <p:transition spd="slow" advTm="2919"/>
-    </mc:Fallback>
-  </mc:AlternateContent>
-  <p:timing>
-    <p:tnLst>
-      <p:par>
-        <p:cTn id="1" dur="indefinite" restart="never" nodeType="tmRoot">
-          <p:childTnLst>
-            <p:seq concurrent="1" nextAc="seek">
-              <p:cTn id="2" dur="indefinite" nodeType="mainSeq">
-                <p:childTnLst>
-                  <p:par>
-                    <p:cTn id="3" fill="hold">
-                      <p:stCondLst>
-                        <p:cond delay="indefinite"/>
-                        <p:cond evt="onBegin" delay="0">
-                          <p:tn val="2"/>
-                        </p:cond>
-                      </p:stCondLst>
-                      <p:childTnLst>
-                        <p:par>
-                          <p:cTn id="4" fill="hold">
-                            <p:stCondLst>
-                              <p:cond delay="0"/>
-                            </p:stCondLst>
-                            <p:childTnLst>
-                              <p:par>
-                                <p:cTn id="5" presetID="1" presetClass="mediacall" presetSubtype="0" fill="hold" nodeType="afterEffect">
-                                  <p:stCondLst>
-                                    <p:cond delay="0"/>
-                                  </p:stCondLst>
-                                  <p:childTnLst>
-                                    <p:cmd type="call" cmd="playFrom(0.0)">
-                                      <p:cBhvr>
-                                        <p:cTn id="6" dur="1" fill="hold"/>
-                                        <p:tgtEl>
-                                          <p:spTgt spid="5"/>
-                                        </p:tgtEl>
-                                      </p:cBhvr>
-                                    </p:cmd>
-                                  </p:childTnLst>
-                                </p:cTn>
-                              </p:par>
-                            </p:childTnLst>
-                          </p:cTn>
-                        </p:par>
-                      </p:childTnLst>
-                    </p:cTn>
-                  </p:par>
-                </p:childTnLst>
-              </p:cTn>
-              <p:prevCondLst>
-                <p:cond evt="onPrev" delay="0">
-                  <p:tgtEl>
-                    <p:sldTgt/>
-                  </p:tgtEl>
-                </p:cond>
-              </p:prevCondLst>
-              <p:nextCondLst>
-                <p:cond evt="onNext" delay="0">
-                  <p:tgtEl>
-                    <p:sldTgt/>
-                  </p:tgtEl>
-                </p:cond>
-              </p:nextCondLst>
-            </p:seq>
-            <p:audio isNarration="1">
-              <p:cMediaNode vol="80000" showWhenStopped="0">
-                <p:cTn id="7" fill="hold" display="0">
-                  <p:stCondLst>
-                    <p:cond delay="indefinite"/>
-                  </p:stCondLst>
-                  <p:endCondLst>
-                    <p:cond evt="onStopAudio" delay="0">
-                      <p:tgtEl>
-                        <p:sldTgt/>
-                      </p:tgtEl>
-                    </p:cond>
-                  </p:endCondLst>
-                </p:cTn>
-                <p:tgtEl>
-                  <p:spTgt spid="5"/>
-                </p:tgtEl>
-              </p:cMediaNode>
-            </p:audio>
-          </p:childTnLst>
-        </p:cTn>
-      </p:par>
-    </p:tnLst>
-  </p:timing>
 </p:sld>
 </file>
 
@@ -6673,13 +5912,13 @@
           <p:nvPr/>
         </p:nvPicPr>
         <p:blipFill>
-          <a:blip r:embed="rId4">
+          <a:blip r:embed="rId2">
             <a:extLst>
               <a:ext uri="{28A0092B-C50C-407E-A947-70E740481C1C}">
                 <a14:useLocalDpi xmlns:a14="http://schemas.microsoft.com/office/drawing/2010/main" val="0"/>
               </a:ext>
               <a:ext uri="{96DAC541-7B7A-43D3-8B79-37D633B846F1}">
-                <asvg:svgBlip xmlns:asvg="http://schemas.microsoft.com/office/drawing/2016/SVG/main" r:embed="rId5"/>
+                <asvg:svgBlip xmlns:asvg="http://schemas.microsoft.com/office/drawing/2016/SVG/main" r:embed="rId3"/>
               </a:ext>
             </a:extLst>
           </a:blip>
@@ -6697,45 +5936,6 @@
           </a:prstGeom>
         </p:spPr>
       </p:pic>
-      <p:pic>
-        <p:nvPicPr>
-          <p:cNvPr id="5" name="Audio 4">
-            <a:hlinkClick r:id="" action="ppaction://media"/>
-            <a:extLst>
-              <a:ext uri="{FF2B5EF4-FFF2-40B4-BE49-F238E27FC236}">
-                <a16:creationId xmlns:a16="http://schemas.microsoft.com/office/drawing/2014/main" id="{9E1626FA-8A34-C806-599C-4B8B7374A60A}"/>
-              </a:ext>
-            </a:extLst>
-          </p:cNvPr>
-          <p:cNvPicPr>
-            <a:picLocks noChangeAspect="1"/>
-          </p:cNvPicPr>
-          <p:nvPr>
-            <a:audioFile r:link="rId2"/>
-            <p:extLst>
-              <p:ext uri="{DAA4B4D4-6D71-4841-9C94-3DE7FCFB9230}">
-                <p14:media xmlns:p14="http://schemas.microsoft.com/office/powerpoint/2010/main" r:embed="rId1"/>
-              </p:ext>
-            </p:extLst>
-          </p:nvPr>
-        </p:nvPicPr>
-        <p:blipFill>
-          <a:blip r:embed="rId6"/>
-          <a:srcRect l="-118750" t="-118750" r="-118750" b="-118750"/>
-          <a:stretch>
-            <a:fillRect/>
-          </a:stretch>
-        </p:blipFill>
-        <p:spPr>
-          <a:xfrm>
-            <a:off x="10052304" y="4718304"/>
-            <a:ext cx="2057400" cy="2057400"/>
-          </a:xfrm>
-          <a:prstGeom prst="ellipse">
-            <a:avLst/>
-          </a:prstGeom>
-        </p:spPr>
-      </p:pic>
     </p:spTree>
     <p:extLst>
       <p:ext uri="{BB962C8B-B14F-4D97-AF65-F5344CB8AC3E}">
@@ -6746,101 +5946,6 @@
   <p:clrMapOvr>
     <a:masterClrMapping/>
   </p:clrMapOvr>
-  <mc:AlternateContent xmlns:mc="http://schemas.openxmlformats.org/markup-compatibility/2006" xmlns:p14="http://schemas.microsoft.com/office/powerpoint/2010/main">
-    <mc:Choice Requires="p14">
-      <p:transition spd="slow" p14:dur="2000" advTm="4418"/>
-    </mc:Choice>
-    <mc:Fallback xmlns="">
-      <p:transition spd="slow" advTm="4418"/>
-    </mc:Fallback>
-  </mc:AlternateContent>
-  <p:timing>
-    <p:tnLst>
-      <p:par>
-        <p:cTn id="1" dur="indefinite" restart="never" nodeType="tmRoot">
-          <p:childTnLst>
-            <p:seq concurrent="1" nextAc="seek">
-              <p:cTn id="2" dur="indefinite" nodeType="mainSeq">
-                <p:childTnLst>
-                  <p:par>
-                    <p:cTn id="3" fill="hold">
-                      <p:stCondLst>
-                        <p:cond delay="indefinite"/>
-                        <p:cond evt="onBegin" delay="0">
-                          <p:tn val="2"/>
-                        </p:cond>
-                      </p:stCondLst>
-                      <p:childTnLst>
-                        <p:par>
-                          <p:cTn id="4" fill="hold">
-                            <p:stCondLst>
-                              <p:cond delay="0"/>
-                            </p:stCondLst>
-                            <p:childTnLst>
-                              <p:par>
-                                <p:cTn id="5" presetID="1" presetClass="mediacall" presetSubtype="0" fill="hold" nodeType="afterEffect">
-                                  <p:stCondLst>
-                                    <p:cond delay="0"/>
-                                  </p:stCondLst>
-                                  <p:childTnLst>
-                                    <p:cmd type="call" cmd="playFrom(0.0)">
-                                      <p:cBhvr>
-                                        <p:cTn id="6" dur="1" fill="hold"/>
-                                        <p:tgtEl>
-                                          <p:spTgt spid="5"/>
-                                        </p:tgtEl>
-                                      </p:cBhvr>
-                                    </p:cmd>
-                                  </p:childTnLst>
-                                </p:cTn>
-                              </p:par>
-                            </p:childTnLst>
-                          </p:cTn>
-                        </p:par>
-                      </p:childTnLst>
-                    </p:cTn>
-                  </p:par>
-                </p:childTnLst>
-              </p:cTn>
-              <p:prevCondLst>
-                <p:cond evt="onPrev" delay="0">
-                  <p:tgtEl>
-                    <p:sldTgt/>
-                  </p:tgtEl>
-                </p:cond>
-              </p:prevCondLst>
-              <p:nextCondLst>
-                <p:cond evt="onNext" delay="0">
-                  <p:tgtEl>
-                    <p:sldTgt/>
-                  </p:tgtEl>
-                </p:cond>
-              </p:nextCondLst>
-            </p:seq>
-            <p:audio isNarration="1">
-              <p:cMediaNode vol="80000" showWhenStopped="0">
-                <p:cTn id="7" fill="hold" display="0">
-                  <p:stCondLst>
-                    <p:cond delay="indefinite"/>
-                  </p:stCondLst>
-                  <p:endCondLst>
-                    <p:cond evt="onStopAudio" delay="0">
-                      <p:tgtEl>
-                        <p:sldTgt/>
-                      </p:tgtEl>
-                    </p:cond>
-                  </p:endCondLst>
-                </p:cTn>
-                <p:tgtEl>
-                  <p:spTgt spid="5"/>
-                </p:tgtEl>
-              </p:cMediaNode>
-            </p:audio>
-          </p:childTnLst>
-        </p:cTn>
-      </p:par>
-    </p:tnLst>
-  </p:timing>
 </p:sld>
 </file>
 
@@ -6890,7 +5995,7 @@
             </p:xfrm>
             <a:graphic>
               <a:graphicData uri="http://schemas.microsoft.com/office/webextensions/webextension/2010/11">
-                <we:webextensionref xmlns:we="http://schemas.microsoft.com/office/webextensions/webextension/2010/11" xmlns:r="http://schemas.openxmlformats.org/officeDocument/2006/relationships" r:id="rId4"/>
+                <we:webextensionref xmlns:we="http://schemas.microsoft.com/office/webextensions/webextension/2010/11" xmlns:r="http://schemas.openxmlformats.org/officeDocument/2006/relationships" r:id="rId2"/>
               </a:graphicData>
             </a:graphic>
           </p:graphicFrame>
@@ -6911,7 +6016,7 @@
               <p:nvPr/>
             </p:nvPicPr>
             <p:blipFill>
-              <a:blip r:embed="rId5"/>
+              <a:blip r:embed="rId3"/>
               <a:stretch>
                 <a:fillRect/>
               </a:stretch>
@@ -6928,45 +6033,6 @@
           </p:pic>
         </mc:Fallback>
       </mc:AlternateContent>
-      <p:pic>
-        <p:nvPicPr>
-          <p:cNvPr id="19" name="Audio 18">
-            <a:hlinkClick r:id="" action="ppaction://media"/>
-            <a:extLst>
-              <a:ext uri="{FF2B5EF4-FFF2-40B4-BE49-F238E27FC236}">
-                <a16:creationId xmlns:a16="http://schemas.microsoft.com/office/drawing/2014/main" id="{F7723BCF-C3D1-B8BF-AECF-4DF7C7436AEB}"/>
-              </a:ext>
-            </a:extLst>
-          </p:cNvPr>
-          <p:cNvPicPr>
-            <a:picLocks noChangeAspect="1"/>
-          </p:cNvPicPr>
-          <p:nvPr>
-            <a:audioFile r:link="rId2"/>
-            <p:extLst>
-              <p:ext uri="{DAA4B4D4-6D71-4841-9C94-3DE7FCFB9230}">
-                <p14:media xmlns:p14="http://schemas.microsoft.com/office/powerpoint/2010/main" r:embed="rId1"/>
-              </p:ext>
-            </p:extLst>
-          </p:nvPr>
-        </p:nvPicPr>
-        <p:blipFill>
-          <a:blip r:embed="rId6"/>
-          <a:srcRect l="-118750" t="-118750" r="-118750" b="-118750"/>
-          <a:stretch>
-            <a:fillRect/>
-          </a:stretch>
-        </p:blipFill>
-        <p:spPr>
-          <a:xfrm>
-            <a:off x="10052304" y="4718304"/>
-            <a:ext cx="2057400" cy="2057400"/>
-          </a:xfrm>
-          <a:prstGeom prst="ellipse">
-            <a:avLst/>
-          </a:prstGeom>
-        </p:spPr>
-      </p:pic>
     </p:spTree>
     <p:extLst>
       <p:ext uri="{BB962C8B-B14F-4D97-AF65-F5344CB8AC3E}">
@@ -6977,101 +6043,6 @@
   <p:clrMapOvr>
     <a:masterClrMapping/>
   </p:clrMapOvr>
-  <mc:AlternateContent xmlns:mc="http://schemas.openxmlformats.org/markup-compatibility/2006" xmlns:p14="http://schemas.microsoft.com/office/powerpoint/2010/main">
-    <mc:Choice Requires="p14">
-      <p:transition spd="slow" p14:dur="2000" advTm="14363"/>
-    </mc:Choice>
-    <mc:Fallback xmlns="">
-      <p:transition spd="slow" advTm="14363"/>
-    </mc:Fallback>
-  </mc:AlternateContent>
-  <p:timing>
-    <p:tnLst>
-      <p:par>
-        <p:cTn id="1" dur="indefinite" restart="never" nodeType="tmRoot">
-          <p:childTnLst>
-            <p:seq concurrent="1" nextAc="seek">
-              <p:cTn id="2" dur="indefinite" nodeType="mainSeq">
-                <p:childTnLst>
-                  <p:par>
-                    <p:cTn id="3" fill="hold">
-                      <p:stCondLst>
-                        <p:cond delay="indefinite"/>
-                        <p:cond evt="onBegin" delay="0">
-                          <p:tn val="2"/>
-                        </p:cond>
-                      </p:stCondLst>
-                      <p:childTnLst>
-                        <p:par>
-                          <p:cTn id="4" fill="hold">
-                            <p:stCondLst>
-                              <p:cond delay="0"/>
-                            </p:stCondLst>
-                            <p:childTnLst>
-                              <p:par>
-                                <p:cTn id="5" presetID="1" presetClass="mediacall" presetSubtype="0" fill="hold" nodeType="afterEffect">
-                                  <p:stCondLst>
-                                    <p:cond delay="0"/>
-                                  </p:stCondLst>
-                                  <p:childTnLst>
-                                    <p:cmd type="call" cmd="playFrom(0.0)">
-                                      <p:cBhvr>
-                                        <p:cTn id="6" dur="1" fill="hold"/>
-                                        <p:tgtEl>
-                                          <p:spTgt spid="19"/>
-                                        </p:tgtEl>
-                                      </p:cBhvr>
-                                    </p:cmd>
-                                  </p:childTnLst>
-                                </p:cTn>
-                              </p:par>
-                            </p:childTnLst>
-                          </p:cTn>
-                        </p:par>
-                      </p:childTnLst>
-                    </p:cTn>
-                  </p:par>
-                </p:childTnLst>
-              </p:cTn>
-              <p:prevCondLst>
-                <p:cond evt="onPrev" delay="0">
-                  <p:tgtEl>
-                    <p:sldTgt/>
-                  </p:tgtEl>
-                </p:cond>
-              </p:prevCondLst>
-              <p:nextCondLst>
-                <p:cond evt="onNext" delay="0">
-                  <p:tgtEl>
-                    <p:sldTgt/>
-                  </p:tgtEl>
-                </p:cond>
-              </p:nextCondLst>
-            </p:seq>
-            <p:audio isNarration="1">
-              <p:cMediaNode vol="80000" showWhenStopped="0">
-                <p:cTn id="7" fill="hold" display="0">
-                  <p:stCondLst>
-                    <p:cond delay="indefinite"/>
-                  </p:stCondLst>
-                  <p:endCondLst>
-                    <p:cond evt="onStopAudio" delay="0">
-                      <p:tgtEl>
-                        <p:sldTgt/>
-                      </p:tgtEl>
-                    </p:cond>
-                  </p:endCondLst>
-                </p:cTn>
-                <p:tgtEl>
-                  <p:spTgt spid="19"/>
-                </p:tgtEl>
-              </p:cMediaNode>
-            </p:audio>
-          </p:childTnLst>
-        </p:cTn>
-      </p:par>
-    </p:tnLst>
-  </p:timing>
 </p:sld>
 </file>
 
@@ -7121,7 +6092,7 @@
             </p:xfrm>
             <a:graphic>
               <a:graphicData uri="http://schemas.microsoft.com/office/webextensions/webextension/2010/11">
-                <we:webextensionref xmlns:we="http://schemas.microsoft.com/office/webextensions/webextension/2010/11" xmlns:r="http://schemas.openxmlformats.org/officeDocument/2006/relationships" r:id="rId4"/>
+                <we:webextensionref xmlns:we="http://schemas.microsoft.com/office/webextensions/webextension/2010/11" xmlns:r="http://schemas.openxmlformats.org/officeDocument/2006/relationships" r:id="rId2"/>
               </a:graphicData>
             </a:graphic>
           </p:graphicFrame>
@@ -7142,7 +6113,7 @@
               <p:nvPr/>
             </p:nvPicPr>
             <p:blipFill>
-              <a:blip r:embed="rId5"/>
+              <a:blip r:embed="rId3"/>
               <a:stretch>
                 <a:fillRect/>
               </a:stretch>
@@ -7159,45 +6130,6 @@
           </p:pic>
         </mc:Fallback>
       </mc:AlternateContent>
-      <p:pic>
-        <p:nvPicPr>
-          <p:cNvPr id="18" name="Audio 17">
-            <a:hlinkClick r:id="" action="ppaction://media"/>
-            <a:extLst>
-              <a:ext uri="{FF2B5EF4-FFF2-40B4-BE49-F238E27FC236}">
-                <a16:creationId xmlns:a16="http://schemas.microsoft.com/office/drawing/2014/main" id="{E1CA327E-A045-2FD8-7D9B-F35BEE2EDEEC}"/>
-              </a:ext>
-            </a:extLst>
-          </p:cNvPr>
-          <p:cNvPicPr>
-            <a:picLocks noChangeAspect="1"/>
-          </p:cNvPicPr>
-          <p:nvPr>
-            <a:audioFile r:link="rId2"/>
-            <p:extLst>
-              <p:ext uri="{DAA4B4D4-6D71-4841-9C94-3DE7FCFB9230}">
-                <p14:media xmlns:p14="http://schemas.microsoft.com/office/powerpoint/2010/main" r:embed="rId1"/>
-              </p:ext>
-            </p:extLst>
-          </p:nvPr>
-        </p:nvPicPr>
-        <p:blipFill>
-          <a:blip r:embed="rId6"/>
-          <a:srcRect l="-118750" t="-118750" r="-118750" b="-118750"/>
-          <a:stretch>
-            <a:fillRect/>
-          </a:stretch>
-        </p:blipFill>
-        <p:spPr>
-          <a:xfrm>
-            <a:off x="10052304" y="4718304"/>
-            <a:ext cx="2057400" cy="2057400"/>
-          </a:xfrm>
-          <a:prstGeom prst="ellipse">
-            <a:avLst/>
-          </a:prstGeom>
-        </p:spPr>
-      </p:pic>
     </p:spTree>
     <p:extLst>
       <p:ext uri="{BB962C8B-B14F-4D97-AF65-F5344CB8AC3E}">
@@ -7208,101 +6140,6 @@
   <p:clrMapOvr>
     <a:masterClrMapping/>
   </p:clrMapOvr>
-  <mc:AlternateContent xmlns:mc="http://schemas.openxmlformats.org/markup-compatibility/2006" xmlns:p14="http://schemas.microsoft.com/office/powerpoint/2010/main">
-    <mc:Choice Requires="p14">
-      <p:transition spd="slow" p14:dur="2000" advTm="1173"/>
-    </mc:Choice>
-    <mc:Fallback xmlns="">
-      <p:transition spd="slow" advTm="1173"/>
-    </mc:Fallback>
-  </mc:AlternateContent>
-  <p:timing>
-    <p:tnLst>
-      <p:par>
-        <p:cTn id="1" dur="indefinite" restart="never" nodeType="tmRoot">
-          <p:childTnLst>
-            <p:seq concurrent="1" nextAc="seek">
-              <p:cTn id="2" dur="indefinite" nodeType="mainSeq">
-                <p:childTnLst>
-                  <p:par>
-                    <p:cTn id="3" fill="hold">
-                      <p:stCondLst>
-                        <p:cond delay="indefinite"/>
-                        <p:cond evt="onBegin" delay="0">
-                          <p:tn val="2"/>
-                        </p:cond>
-                      </p:stCondLst>
-                      <p:childTnLst>
-                        <p:par>
-                          <p:cTn id="4" fill="hold">
-                            <p:stCondLst>
-                              <p:cond delay="0"/>
-                            </p:stCondLst>
-                            <p:childTnLst>
-                              <p:par>
-                                <p:cTn id="5" presetID="1" presetClass="mediacall" presetSubtype="0" fill="hold" nodeType="afterEffect">
-                                  <p:stCondLst>
-                                    <p:cond delay="0"/>
-                                  </p:stCondLst>
-                                  <p:childTnLst>
-                                    <p:cmd type="call" cmd="playFrom(0.0)">
-                                      <p:cBhvr>
-                                        <p:cTn id="6" dur="1" fill="hold"/>
-                                        <p:tgtEl>
-                                          <p:spTgt spid="18"/>
-                                        </p:tgtEl>
-                                      </p:cBhvr>
-                                    </p:cmd>
-                                  </p:childTnLst>
-                                </p:cTn>
-                              </p:par>
-                            </p:childTnLst>
-                          </p:cTn>
-                        </p:par>
-                      </p:childTnLst>
-                    </p:cTn>
-                  </p:par>
-                </p:childTnLst>
-              </p:cTn>
-              <p:prevCondLst>
-                <p:cond evt="onPrev" delay="0">
-                  <p:tgtEl>
-                    <p:sldTgt/>
-                  </p:tgtEl>
-                </p:cond>
-              </p:prevCondLst>
-              <p:nextCondLst>
-                <p:cond evt="onNext" delay="0">
-                  <p:tgtEl>
-                    <p:sldTgt/>
-                  </p:tgtEl>
-                </p:cond>
-              </p:nextCondLst>
-            </p:seq>
-            <p:audio isNarration="1">
-              <p:cMediaNode vol="80000" showWhenStopped="0">
-                <p:cTn id="7" fill="hold" display="0">
-                  <p:stCondLst>
-                    <p:cond delay="indefinite"/>
-                  </p:stCondLst>
-                  <p:endCondLst>
-                    <p:cond evt="onStopAudio" delay="0">
-                      <p:tgtEl>
-                        <p:sldTgt/>
-                      </p:tgtEl>
-                    </p:cond>
-                  </p:endCondLst>
-                </p:cTn>
-                <p:tgtEl>
-                  <p:spTgt spid="18"/>
-                </p:tgtEl>
-              </p:cMediaNode>
-            </p:audio>
-          </p:childTnLst>
-        </p:cTn>
-      </p:par>
-    </p:tnLst>
-  </p:timing>
 </p:sld>
 </file>
 
@@ -7352,7 +6189,7 @@
             </p:xfrm>
             <a:graphic>
               <a:graphicData uri="http://schemas.microsoft.com/office/webextensions/webextension/2010/11">
-                <we:webextensionref xmlns:we="http://schemas.microsoft.com/office/webextensions/webextension/2010/11" xmlns:r="http://schemas.openxmlformats.org/officeDocument/2006/relationships" r:id="rId4"/>
+                <we:webextensionref xmlns:we="http://schemas.microsoft.com/office/webextensions/webextension/2010/11" xmlns:r="http://schemas.openxmlformats.org/officeDocument/2006/relationships" r:id="rId2"/>
               </a:graphicData>
             </a:graphic>
           </p:graphicFrame>
@@ -7373,7 +6210,7 @@
               <p:nvPr/>
             </p:nvPicPr>
             <p:blipFill>
-              <a:blip r:embed="rId5"/>
+              <a:blip r:embed="rId3"/>
               <a:stretch>
                 <a:fillRect/>
               </a:stretch>
@@ -7390,45 +6227,6 @@
           </p:pic>
         </mc:Fallback>
       </mc:AlternateContent>
-      <p:pic>
-        <p:nvPicPr>
-          <p:cNvPr id="6" name="Audio 5">
-            <a:hlinkClick r:id="" action="ppaction://media"/>
-            <a:extLst>
-              <a:ext uri="{FF2B5EF4-FFF2-40B4-BE49-F238E27FC236}">
-                <a16:creationId xmlns:a16="http://schemas.microsoft.com/office/drawing/2014/main" id="{3FF7B949-1BDE-87BD-C6FC-92F98EEBEA38}"/>
-              </a:ext>
-            </a:extLst>
-          </p:cNvPr>
-          <p:cNvPicPr>
-            <a:picLocks noChangeAspect="1"/>
-          </p:cNvPicPr>
-          <p:nvPr>
-            <a:audioFile r:link="rId2"/>
-            <p:extLst>
-              <p:ext uri="{DAA4B4D4-6D71-4841-9C94-3DE7FCFB9230}">
-                <p14:media xmlns:p14="http://schemas.microsoft.com/office/powerpoint/2010/main" r:embed="rId1"/>
-              </p:ext>
-            </p:extLst>
-          </p:nvPr>
-        </p:nvPicPr>
-        <p:blipFill>
-          <a:blip r:embed="rId6"/>
-          <a:srcRect l="-118750" t="-118750" r="-118750" b="-118750"/>
-          <a:stretch>
-            <a:fillRect/>
-          </a:stretch>
-        </p:blipFill>
-        <p:spPr>
-          <a:xfrm>
-            <a:off x="10052304" y="4718304"/>
-            <a:ext cx="2057400" cy="2057400"/>
-          </a:xfrm>
-          <a:prstGeom prst="ellipse">
-            <a:avLst/>
-          </a:prstGeom>
-        </p:spPr>
-      </p:pic>
     </p:spTree>
     <p:extLst>
       <p:ext uri="{BB962C8B-B14F-4D97-AF65-F5344CB8AC3E}">
@@ -7439,101 +6237,6 @@
   <p:clrMapOvr>
     <a:masterClrMapping/>
   </p:clrMapOvr>
-  <mc:AlternateContent xmlns:mc="http://schemas.openxmlformats.org/markup-compatibility/2006" xmlns:p14="http://schemas.microsoft.com/office/powerpoint/2010/main">
-    <mc:Choice Requires="p14">
-      <p:transition spd="slow" p14:dur="2000" advTm="3564"/>
-    </mc:Choice>
-    <mc:Fallback xmlns="">
-      <p:transition spd="slow" advTm="3564"/>
-    </mc:Fallback>
-  </mc:AlternateContent>
-  <p:timing>
-    <p:tnLst>
-      <p:par>
-        <p:cTn id="1" dur="indefinite" restart="never" nodeType="tmRoot">
-          <p:childTnLst>
-            <p:seq concurrent="1" nextAc="seek">
-              <p:cTn id="2" dur="indefinite" nodeType="mainSeq">
-                <p:childTnLst>
-                  <p:par>
-                    <p:cTn id="3" fill="hold">
-                      <p:stCondLst>
-                        <p:cond delay="indefinite"/>
-                        <p:cond evt="onBegin" delay="0">
-                          <p:tn val="2"/>
-                        </p:cond>
-                      </p:stCondLst>
-                      <p:childTnLst>
-                        <p:par>
-                          <p:cTn id="4" fill="hold">
-                            <p:stCondLst>
-                              <p:cond delay="0"/>
-                            </p:stCondLst>
-                            <p:childTnLst>
-                              <p:par>
-                                <p:cTn id="5" presetID="1" presetClass="mediacall" presetSubtype="0" fill="hold" nodeType="afterEffect">
-                                  <p:stCondLst>
-                                    <p:cond delay="0"/>
-                                  </p:stCondLst>
-                                  <p:childTnLst>
-                                    <p:cmd type="call" cmd="playFrom(0.0)">
-                                      <p:cBhvr>
-                                        <p:cTn id="6" dur="1" fill="hold"/>
-                                        <p:tgtEl>
-                                          <p:spTgt spid="6"/>
-                                        </p:tgtEl>
-                                      </p:cBhvr>
-                                    </p:cmd>
-                                  </p:childTnLst>
-                                </p:cTn>
-                              </p:par>
-                            </p:childTnLst>
-                          </p:cTn>
-                        </p:par>
-                      </p:childTnLst>
-                    </p:cTn>
-                  </p:par>
-                </p:childTnLst>
-              </p:cTn>
-              <p:prevCondLst>
-                <p:cond evt="onPrev" delay="0">
-                  <p:tgtEl>
-                    <p:sldTgt/>
-                  </p:tgtEl>
-                </p:cond>
-              </p:prevCondLst>
-              <p:nextCondLst>
-                <p:cond evt="onNext" delay="0">
-                  <p:tgtEl>
-                    <p:sldTgt/>
-                  </p:tgtEl>
-                </p:cond>
-              </p:nextCondLst>
-            </p:seq>
-            <p:audio isNarration="1">
-              <p:cMediaNode vol="80000" showWhenStopped="0">
-                <p:cTn id="7" fill="hold" display="0">
-                  <p:stCondLst>
-                    <p:cond delay="indefinite"/>
-                  </p:stCondLst>
-                  <p:endCondLst>
-                    <p:cond evt="onStopAudio" delay="0">
-                      <p:tgtEl>
-                        <p:sldTgt/>
-                      </p:tgtEl>
-                    </p:cond>
-                  </p:endCondLst>
-                </p:cTn>
-                <p:tgtEl>
-                  <p:spTgt spid="6"/>
-                </p:tgtEl>
-              </p:cMediaNode>
-            </p:audio>
-          </p:childTnLst>
-        </p:cTn>
-      </p:par>
-    </p:tnLst>
-  </p:timing>
 </p:sld>
 </file>
 
@@ -7583,7 +6286,7 @@
             </p:xfrm>
             <a:graphic>
               <a:graphicData uri="http://schemas.microsoft.com/office/webextensions/webextension/2010/11">
-                <we:webextensionref xmlns:we="http://schemas.microsoft.com/office/webextensions/webextension/2010/11" xmlns:r="http://schemas.openxmlformats.org/officeDocument/2006/relationships" r:id="rId4"/>
+                <we:webextensionref xmlns:we="http://schemas.microsoft.com/office/webextensions/webextension/2010/11" xmlns:r="http://schemas.openxmlformats.org/officeDocument/2006/relationships" r:id="rId2"/>
               </a:graphicData>
             </a:graphic>
           </p:graphicFrame>
@@ -7604,7 +6307,7 @@
               <p:nvPr/>
             </p:nvPicPr>
             <p:blipFill>
-              <a:blip r:embed="rId5"/>
+              <a:blip r:embed="rId3"/>
               <a:stretch>
                 <a:fillRect/>
               </a:stretch>
@@ -7621,45 +6324,6 @@
           </p:pic>
         </mc:Fallback>
       </mc:AlternateContent>
-      <p:pic>
-        <p:nvPicPr>
-          <p:cNvPr id="6" name="Audio 5">
-            <a:hlinkClick r:id="" action="ppaction://media"/>
-            <a:extLst>
-              <a:ext uri="{FF2B5EF4-FFF2-40B4-BE49-F238E27FC236}">
-                <a16:creationId xmlns:a16="http://schemas.microsoft.com/office/drawing/2014/main" id="{0A4E38C0-0801-CFB3-6444-A0A0F6D98197}"/>
-              </a:ext>
-            </a:extLst>
-          </p:cNvPr>
-          <p:cNvPicPr>
-            <a:picLocks noChangeAspect="1"/>
-          </p:cNvPicPr>
-          <p:nvPr>
-            <a:audioFile r:link="rId2"/>
-            <p:extLst>
-              <p:ext uri="{DAA4B4D4-6D71-4841-9C94-3DE7FCFB9230}">
-                <p14:media xmlns:p14="http://schemas.microsoft.com/office/powerpoint/2010/main" r:embed="rId1"/>
-              </p:ext>
-            </p:extLst>
-          </p:nvPr>
-        </p:nvPicPr>
-        <p:blipFill>
-          <a:blip r:embed="rId6"/>
-          <a:srcRect l="-118750" t="-118750" r="-118750" b="-118750"/>
-          <a:stretch>
-            <a:fillRect/>
-          </a:stretch>
-        </p:blipFill>
-        <p:spPr>
-          <a:xfrm>
-            <a:off x="10052304" y="4718304"/>
-            <a:ext cx="2057400" cy="2057400"/>
-          </a:xfrm>
-          <a:prstGeom prst="ellipse">
-            <a:avLst/>
-          </a:prstGeom>
-        </p:spPr>
-      </p:pic>
     </p:spTree>
     <p:extLst>
       <p:ext uri="{BB962C8B-B14F-4D97-AF65-F5344CB8AC3E}">
@@ -7670,101 +6334,6 @@
   <p:clrMapOvr>
     <a:masterClrMapping/>
   </p:clrMapOvr>
-  <mc:AlternateContent xmlns:mc="http://schemas.openxmlformats.org/markup-compatibility/2006" xmlns:p14="http://schemas.microsoft.com/office/powerpoint/2010/main">
-    <mc:Choice Requires="p14">
-      <p:transition spd="slow" p14:dur="2000" advTm="2788"/>
-    </mc:Choice>
-    <mc:Fallback xmlns="">
-      <p:transition spd="slow" advTm="2788"/>
-    </mc:Fallback>
-  </mc:AlternateContent>
-  <p:timing>
-    <p:tnLst>
-      <p:par>
-        <p:cTn id="1" dur="indefinite" restart="never" nodeType="tmRoot">
-          <p:childTnLst>
-            <p:seq concurrent="1" nextAc="seek">
-              <p:cTn id="2" dur="indefinite" nodeType="mainSeq">
-                <p:childTnLst>
-                  <p:par>
-                    <p:cTn id="3" fill="hold">
-                      <p:stCondLst>
-                        <p:cond delay="indefinite"/>
-                        <p:cond evt="onBegin" delay="0">
-                          <p:tn val="2"/>
-                        </p:cond>
-                      </p:stCondLst>
-                      <p:childTnLst>
-                        <p:par>
-                          <p:cTn id="4" fill="hold">
-                            <p:stCondLst>
-                              <p:cond delay="0"/>
-                            </p:stCondLst>
-                            <p:childTnLst>
-                              <p:par>
-                                <p:cTn id="5" presetID="1" presetClass="mediacall" presetSubtype="0" fill="hold" nodeType="afterEffect">
-                                  <p:stCondLst>
-                                    <p:cond delay="0"/>
-                                  </p:stCondLst>
-                                  <p:childTnLst>
-                                    <p:cmd type="call" cmd="playFrom(0.0)">
-                                      <p:cBhvr>
-                                        <p:cTn id="6" dur="1" fill="hold"/>
-                                        <p:tgtEl>
-                                          <p:spTgt spid="6"/>
-                                        </p:tgtEl>
-                                      </p:cBhvr>
-                                    </p:cmd>
-                                  </p:childTnLst>
-                                </p:cTn>
-                              </p:par>
-                            </p:childTnLst>
-                          </p:cTn>
-                        </p:par>
-                      </p:childTnLst>
-                    </p:cTn>
-                  </p:par>
-                </p:childTnLst>
-              </p:cTn>
-              <p:prevCondLst>
-                <p:cond evt="onPrev" delay="0">
-                  <p:tgtEl>
-                    <p:sldTgt/>
-                  </p:tgtEl>
-                </p:cond>
-              </p:prevCondLst>
-              <p:nextCondLst>
-                <p:cond evt="onNext" delay="0">
-                  <p:tgtEl>
-                    <p:sldTgt/>
-                  </p:tgtEl>
-                </p:cond>
-              </p:nextCondLst>
-            </p:seq>
-            <p:audio isNarration="1">
-              <p:cMediaNode vol="80000" showWhenStopped="0">
-                <p:cTn id="7" fill="hold" display="0">
-                  <p:stCondLst>
-                    <p:cond delay="indefinite"/>
-                  </p:stCondLst>
-                  <p:endCondLst>
-                    <p:cond evt="onStopAudio" delay="0">
-                      <p:tgtEl>
-                        <p:sldTgt/>
-                      </p:tgtEl>
-                    </p:cond>
-                  </p:endCondLst>
-                </p:cTn>
-                <p:tgtEl>
-                  <p:spTgt spid="6"/>
-                </p:tgtEl>
-              </p:cMediaNode>
-            </p:audio>
-          </p:childTnLst>
-        </p:cTn>
-      </p:par>
-    </p:tnLst>
-  </p:timing>
 </p:sld>
 </file>
 
